--- a/doc/Meetings/2020-02-25-TeamMeeting.pptx
+++ b/doc/Meetings/2020-02-25-TeamMeeting.pptx
@@ -231,7 +231,7 @@
           <a:p>
             <a:fld id="{39227D07-0534-3345-A1F3-0CA33196057F}" type="datetimeFigureOut">
               <a:rPr lang="en-US" smtClean="0"/>
-              <a:t>2/24/2020</a:t>
+              <a:t>2/25/2020</a:t>
             </a:fld>
             <a:endParaRPr lang="en-US"/>
           </a:p>
@@ -1691,10 +1691,23 @@
                 <a:latin typeface="Helvetica Neue"/>
                 <a:cs typeface="Helvetica Neue"/>
               </a:rPr>
-              <a:t>Project Proposal:  /</a:t>
+              <a:t>Project Proposal:  </a:t>
+            </a:r>
+            <a:r>
+              <a:rPr lang="en-US" sz="2000" dirty="0">
+                <a:solidFill>
+                  <a:srgbClr val="0066CC"/>
+                </a:solidFill>
+                <a:latin typeface="Helvetica Neue"/>
+                <a:cs typeface="Helvetica Neue"/>
+              </a:rPr>
+              <a:t>/</a:t>
             </a:r>
             <a:r>
               <a:rPr lang="en-US" sz="2000" dirty="0" err="1">
+                <a:solidFill>
+                  <a:srgbClr val="0066CC"/>
+                </a:solidFill>
                 <a:latin typeface="Helvetica Neue"/>
                 <a:cs typeface="Helvetica Neue"/>
               </a:rPr>
@@ -1702,6 +1715,9 @@
             </a:r>
             <a:r>
               <a:rPr lang="en-US" sz="2000" dirty="0">
+                <a:solidFill>
+                  <a:srgbClr val="0066CC"/>
+                </a:solidFill>
                 <a:latin typeface="Helvetica Neue"/>
                 <a:cs typeface="Helvetica Neue"/>
               </a:rPr>
@@ -1709,24 +1725,31 @@
             </a:r>
             <a:r>
               <a:rPr lang="en-US" sz="2000" dirty="0" err="1">
+                <a:solidFill>
+                  <a:srgbClr val="0066CC"/>
+                </a:solidFill>
                 <a:latin typeface="Helvetica Neue"/>
                 <a:cs typeface="Helvetica Neue"/>
               </a:rPr>
               <a:t>Misc</a:t>
             </a:r>
             <a:endParaRPr lang="en-US" sz="2000" dirty="0">
+              <a:solidFill>
+                <a:srgbClr val="0066CC"/>
+              </a:solidFill>
               <a:latin typeface="Helvetica Neue"/>
               <a:cs typeface="Helvetica Neue"/>
             </a:endParaRPr>
           </a:p>
           <a:p>
-            <a:pPr marL="0" indent="0">
-              <a:buNone/>
-            </a:pPr>
-            <a:endParaRPr lang="en-US" sz="2000" dirty="0">
-              <a:latin typeface="Helvetica Neue"/>
-              <a:cs typeface="Helvetica Neue"/>
-            </a:endParaRPr>
+            <a:pPr indent="-230188"/>
+            <a:r>
+              <a:rPr lang="en-US" sz="2000" dirty="0">
+                <a:latin typeface="Helvetica Neue"/>
+                <a:cs typeface="Helvetica Neue"/>
+              </a:rPr>
+              <a:t>Out for review by Board of Directors, 27 Feb Meeting</a:t>
+            </a:r>
           </a:p>
           <a:p>
             <a:pPr marL="0" indent="0">
@@ -1985,6 +2008,61 @@
             </a:r>
           </a:p>
           <a:p>
+            <a:pPr marL="112712" indent="0">
+              <a:buNone/>
+            </a:pPr>
+            <a:endParaRPr lang="en-US" sz="2000" u="sng" dirty="0">
+              <a:latin typeface="Helvetica Neue"/>
+              <a:cs typeface="Helvetica Neue"/>
+            </a:endParaRPr>
+          </a:p>
+          <a:p>
+            <a:pPr marL="112712" indent="0">
+              <a:buNone/>
+            </a:pPr>
+            <a:r>
+              <a:rPr lang="en-US" sz="2000" u="sng" dirty="0">
+                <a:latin typeface="Helvetica Neue"/>
+                <a:cs typeface="Helvetica Neue"/>
+              </a:rPr>
+              <a:t>Suggestions</a:t>
+            </a:r>
+          </a:p>
+          <a:p>
+            <a:pPr indent="-230188"/>
+            <a:r>
+              <a:rPr lang="en-US" sz="2000" dirty="0">
+                <a:latin typeface="Helvetica Neue"/>
+                <a:cs typeface="Helvetica Neue"/>
+              </a:rPr>
+              <a:t>“Getting Started” guide?  </a:t>
+            </a:r>
+          </a:p>
+          <a:p>
+            <a:pPr indent="-230188"/>
+            <a:r>
+              <a:rPr lang="en-US" sz="2000" dirty="0">
+                <a:latin typeface="Helvetica Neue"/>
+                <a:cs typeface="Helvetica Neue"/>
+              </a:rPr>
+              <a:t>Updated description of project structure </a:t>
+            </a:r>
+            <a:r>
+              <a:rPr lang="en-US" sz="2000" i="1" dirty="0">
+                <a:latin typeface="Helvetica Neue"/>
+                <a:cs typeface="Helvetica Neue"/>
+              </a:rPr>
+              <a:t>by topic</a:t>
+            </a:r>
+          </a:p>
+          <a:p>
+            <a:pPr indent="-230188"/>
+            <a:endParaRPr lang="en-US" sz="2000" dirty="0">
+              <a:latin typeface="Helvetica Neue"/>
+              <a:cs typeface="Helvetica Neue"/>
+            </a:endParaRPr>
+          </a:p>
+          <a:p>
             <a:pPr marL="0" indent="0">
               <a:buNone/>
             </a:pPr>
@@ -2410,7 +2488,7 @@
                 <a:latin typeface="Helvetica Neue"/>
                 <a:cs typeface="Helvetica Neue"/>
               </a:rPr>
-              <a:t>Project Overview : US2TS Conference, 2-minute Lightning Talk</a:t>
+              <a:t>US2TS Conference (Raleigh, NC) Lightning Talk. 9-11 March</a:t>
             </a:r>
           </a:p>
           <a:p>
@@ -2420,7 +2498,17 @@
                 <a:latin typeface="Helvetica Neue"/>
                 <a:cs typeface="Helvetica Neue"/>
               </a:rPr>
-              <a:t>9-11 March</a:t>
+              <a:t>1 slide, 2-minutes. </a:t>
+            </a:r>
+          </a:p>
+          <a:p>
+            <a:pPr lvl="1" indent="-230188"/>
+            <a:r>
+              <a:rPr lang="en-US" sz="1600" dirty="0">
+                <a:latin typeface="Helvetica Neue"/>
+                <a:cs typeface="Helvetica Neue"/>
+              </a:rPr>
+              <a:t>Project Overview </a:t>
             </a:r>
           </a:p>
           <a:p>
@@ -2430,7 +2518,17 @@
                 <a:latin typeface="Helvetica Neue"/>
                 <a:cs typeface="Helvetica Neue"/>
               </a:rPr>
-              <a:t>Semantics 2020 (Austin)  : April 20-23.  Attendees?</a:t>
+              <a:t>Semantics 2020 (Austin, TX) . April 20-23.  </a:t>
+            </a:r>
+          </a:p>
+          <a:p>
+            <a:pPr lvl="1" indent="-230188"/>
+            <a:r>
+              <a:rPr lang="en-US" sz="1600" dirty="0">
+                <a:latin typeface="Helvetica Neue"/>
+                <a:cs typeface="Helvetica Neue"/>
+              </a:rPr>
+              <a:t>Attendees?</a:t>
             </a:r>
           </a:p>
           <a:p>
